--- a/Project/WINE CATALOGUE.pptx
+++ b/Project/WINE CATALOGUE.pptx
@@ -5,21 +5,20 @@
     <p:sldMasterId id="2147483650" r:id="rId4"/>
   </p:sldMasterIdLst>
   <p:notesMasterIdLst>
-    <p:notesMasterId r:id="rId14"/>
+    <p:notesMasterId r:id="rId13"/>
   </p:notesMasterIdLst>
   <p:handoutMasterIdLst>
-    <p:handoutMasterId r:id="rId15"/>
+    <p:handoutMasterId r:id="rId14"/>
   </p:handoutMasterIdLst>
   <p:sldIdLst>
     <p:sldId id="312" r:id="rId5"/>
     <p:sldId id="327" r:id="rId6"/>
-    <p:sldId id="304" r:id="rId7"/>
-    <p:sldId id="282" r:id="rId8"/>
-    <p:sldId id="323" r:id="rId9"/>
-    <p:sldId id="315" r:id="rId10"/>
-    <p:sldId id="325" r:id="rId11"/>
-    <p:sldId id="326" r:id="rId12"/>
-    <p:sldId id="297" r:id="rId13"/>
+    <p:sldId id="282" r:id="rId7"/>
+    <p:sldId id="323" r:id="rId8"/>
+    <p:sldId id="315" r:id="rId9"/>
+    <p:sldId id="325" r:id="rId10"/>
+    <p:sldId id="326" r:id="rId11"/>
+    <p:sldId id="297" r:id="rId12"/>
   </p:sldIdLst>
   <p:sldSz cx="12192000" cy="6858000"/>
   <p:notesSz cx="13716000" cy="24384000"/>
@@ -835,7 +834,7 @@
     </p:spTree>
     <p:extLst>
       <p:ext uri="{BB962C8B-B14F-4D97-AF65-F5344CB8AC3E}">
-        <p14:creationId xmlns:p14="http://schemas.microsoft.com/office/powerpoint/2010/main" val="587736169"/>
+        <p14:creationId xmlns:p14="http://schemas.microsoft.com/office/powerpoint/2010/main" val="1019397722"/>
       </p:ext>
     </p:extLst>
   </p:cSld>
@@ -918,7 +917,7 @@
     </p:spTree>
     <p:extLst>
       <p:ext uri="{BB962C8B-B14F-4D97-AF65-F5344CB8AC3E}">
-        <p14:creationId xmlns:p14="http://schemas.microsoft.com/office/powerpoint/2010/main" val="1019397722"/>
+        <p14:creationId xmlns:p14="http://schemas.microsoft.com/office/powerpoint/2010/main" val="89555766"/>
       </p:ext>
     </p:extLst>
   </p:cSld>
@@ -1001,7 +1000,7 @@
     </p:spTree>
     <p:extLst>
       <p:ext uri="{BB962C8B-B14F-4D97-AF65-F5344CB8AC3E}">
-        <p14:creationId xmlns:p14="http://schemas.microsoft.com/office/powerpoint/2010/main" val="89555766"/>
+        <p14:creationId xmlns:p14="http://schemas.microsoft.com/office/powerpoint/2010/main" val="1649742202"/>
       </p:ext>
     </p:extLst>
   </p:cSld>
@@ -1084,7 +1083,7 @@
     </p:spTree>
     <p:extLst>
       <p:ext uri="{BB962C8B-B14F-4D97-AF65-F5344CB8AC3E}">
-        <p14:creationId xmlns:p14="http://schemas.microsoft.com/office/powerpoint/2010/main" val="1649742202"/>
+        <p14:creationId xmlns:p14="http://schemas.microsoft.com/office/powerpoint/2010/main" val="2245326076"/>
       </p:ext>
     </p:extLst>
   </p:cSld>
@@ -1167,7 +1166,7 @@
     </p:spTree>
     <p:extLst>
       <p:ext uri="{BB962C8B-B14F-4D97-AF65-F5344CB8AC3E}">
-        <p14:creationId xmlns:p14="http://schemas.microsoft.com/office/powerpoint/2010/main" val="2245326076"/>
+        <p14:creationId xmlns:p14="http://schemas.microsoft.com/office/powerpoint/2010/main" val="3510930114"/>
       </p:ext>
     </p:extLst>
   </p:cSld>
@@ -1178,89 +1177,6 @@
 </file>
 
 <file path=ppt/notesSlides/notesSlide8.xml><?xml version="1.0" encoding="utf-8"?>
-<p:notes xmlns:a="http://schemas.openxmlformats.org/drawingml/2006/main" xmlns:r="http://schemas.openxmlformats.org/officeDocument/2006/relationships" xmlns:p="http://schemas.openxmlformats.org/presentationml/2006/main">
-  <p:cSld>
-    <p:spTree>
-      <p:nvGrpSpPr>
-        <p:cNvPr id="1" name=""/>
-        <p:cNvGrpSpPr/>
-        <p:nvPr/>
-      </p:nvGrpSpPr>
-      <p:grpSpPr>
-        <a:xfrm>
-          <a:off x="0" y="0"/>
-          <a:ext cx="0" cy="0"/>
-          <a:chOff x="0" y="0"/>
-          <a:chExt cx="0" cy="0"/>
-        </a:xfrm>
-      </p:grpSpPr>
-      <p:sp>
-        <p:nvSpPr>
-          <p:cNvPr id="2" name="Slide Image Placeholder 1"/>
-          <p:cNvSpPr>
-            <a:spLocks noGrp="1" noRot="1" noChangeAspect="1"/>
-          </p:cNvSpPr>
-          <p:nvPr>
-            <p:ph type="sldImg"/>
-          </p:nvPr>
-        </p:nvSpPr>
-        <p:spPr>
-          <a:xfrm>
-            <a:off x="-457200" y="3048000"/>
-            <a:ext cx="14630400" cy="8229600"/>
-          </a:xfrm>
-          <a:prstGeom prst="rect">
-            <a:avLst/>
-          </a:prstGeom>
-          <a:noFill/>
-          <a:ln w="12700">
-            <a:solidFill>
-              <a:prstClr val="black"/>
-            </a:solidFill>
-          </a:ln>
-        </p:spPr>
-      </p:sp>
-      <p:sp>
-        <p:nvSpPr>
-          <p:cNvPr id="3" name="Notes Placeholder 2"/>
-          <p:cNvSpPr>
-            <a:spLocks noGrp="1"/>
-          </p:cNvSpPr>
-          <p:nvPr>
-            <p:ph type="body" idx="1"/>
-          </p:nvPr>
-        </p:nvSpPr>
-        <p:spPr>
-          <a:xfrm>
-            <a:off x="1371600" y="11734800"/>
-            <a:ext cx="10972800" cy="9601200"/>
-          </a:xfrm>
-          <a:prstGeom prst="rect">
-            <a:avLst/>
-          </a:prstGeom>
-        </p:spPr>
-        <p:txBody>
-          <a:bodyPr/>
-          <a:lstStyle/>
-          <a:p>
-            <a:endParaRPr lang="en-US" dirty="0"/>
-          </a:p>
-        </p:txBody>
-      </p:sp>
-    </p:spTree>
-    <p:extLst>
-      <p:ext uri="{BB962C8B-B14F-4D97-AF65-F5344CB8AC3E}">
-        <p14:creationId xmlns:p14="http://schemas.microsoft.com/office/powerpoint/2010/main" val="3510930114"/>
-      </p:ext>
-    </p:extLst>
-  </p:cSld>
-  <p:clrMapOvr>
-    <a:masterClrMapping/>
-  </p:clrMapOvr>
-</p:notes>
-</file>
-
-<file path=ppt/notesSlides/notesSlide9.xml><?xml version="1.0" encoding="utf-8"?>
 <p:notes xmlns:a="http://schemas.openxmlformats.org/drawingml/2006/main" xmlns:r="http://schemas.openxmlformats.org/officeDocument/2006/relationships" xmlns:p="http://schemas.openxmlformats.org/presentationml/2006/main">
   <p:cSld>
     <p:spTree>
@@ -17550,7 +17466,11 @@
           <a:p>
             <a:r>
               <a:rPr lang="en-US" dirty="0"/>
-              <a:t>WINE CATALOGUE</a:t>
+              <a:t>WINE </a:t>
+            </a:r>
+            <a:r>
+              <a:rPr lang="en-US" dirty="0" err="1"/>
+              <a:t>SIpper</a:t>
             </a:r>
             <a:br>
               <a:rPr lang="en-US" dirty="0"/>
@@ -17738,149 +17658,6 @@
           <p:cNvPr id="2" name="Title 1">
             <a:extLst>
               <a:ext uri="{FF2B5EF4-FFF2-40B4-BE49-F238E27FC236}">
-                <a16:creationId xmlns:a16="http://schemas.microsoft.com/office/drawing/2014/main" id="{13021072-4A77-DB4D-DF41-58EADB7DA94E}"/>
-              </a:ext>
-            </a:extLst>
-          </p:cNvPr>
-          <p:cNvSpPr>
-            <a:spLocks noGrp="1"/>
-          </p:cNvSpPr>
-          <p:nvPr>
-            <p:ph type="title"/>
-          </p:nvPr>
-        </p:nvSpPr>
-        <p:spPr>
-          <a:xfrm>
-            <a:off x="914400" y="1057274"/>
-            <a:ext cx="6583680" cy="1531357"/>
-          </a:xfrm>
-        </p:spPr>
-        <p:txBody>
-          <a:bodyPr/>
-          <a:lstStyle/>
-          <a:p>
-            <a:r>
-              <a:rPr lang="en-US" dirty="0"/>
-              <a:t>agenda</a:t>
-            </a:r>
-          </a:p>
-        </p:txBody>
-      </p:sp>
-      <p:sp>
-        <p:nvSpPr>
-          <p:cNvPr id="3" name="Content Placeholder 2">
-            <a:extLst>
-              <a:ext uri="{FF2B5EF4-FFF2-40B4-BE49-F238E27FC236}">
-                <a16:creationId xmlns:a16="http://schemas.microsoft.com/office/drawing/2014/main" id="{D4D22962-3C7F-E480-5C35-7F4860A098E1}"/>
-              </a:ext>
-            </a:extLst>
-          </p:cNvPr>
-          <p:cNvSpPr>
-            <a:spLocks noGrp="1"/>
-          </p:cNvSpPr>
-          <p:nvPr>
-            <p:ph idx="1"/>
-          </p:nvPr>
-        </p:nvSpPr>
-        <p:spPr>
-          <a:xfrm>
-            <a:off x="914400" y="2834640"/>
-            <a:ext cx="6583680" cy="3207344"/>
-          </a:xfrm>
-        </p:spPr>
-        <p:txBody>
-          <a:bodyPr/>
-          <a:lstStyle/>
-          <a:p>
-            <a:r>
-              <a:rPr lang="en-US" dirty="0"/>
-              <a:t>Introduction</a:t>
-            </a:r>
-          </a:p>
-          <a:p>
-            <a:r>
-              <a:rPr lang="en-US" dirty="0"/>
-              <a:t>Scope</a:t>
-            </a:r>
-          </a:p>
-          <a:p>
-            <a:r>
-              <a:rPr lang="en-US" dirty="0"/>
-              <a:t> </a:t>
-            </a:r>
-          </a:p>
-        </p:txBody>
-      </p:sp>
-      <p:sp>
-        <p:nvSpPr>
-          <p:cNvPr id="4" name="Slide Number Placeholder 3">
-            <a:extLst>
-              <a:ext uri="{FF2B5EF4-FFF2-40B4-BE49-F238E27FC236}">
-                <a16:creationId xmlns:a16="http://schemas.microsoft.com/office/drawing/2014/main" id="{18D5CFA2-4E67-F157-5FFD-A246307D41F7}"/>
-              </a:ext>
-            </a:extLst>
-          </p:cNvPr>
-          <p:cNvSpPr>
-            <a:spLocks noGrp="1"/>
-          </p:cNvSpPr>
-          <p:nvPr>
-            <p:ph type="sldNum" sz="quarter" idx="10"/>
-          </p:nvPr>
-        </p:nvSpPr>
-        <p:spPr>
-          <a:xfrm>
-            <a:off x="10358437" y="457199"/>
-            <a:ext cx="1067589" cy="471489"/>
-          </a:xfrm>
-        </p:spPr>
-        <p:txBody>
-          <a:bodyPr/>
-          <a:lstStyle/>
-          <a:p>
-            <a:fld id="{48F63A3B-78C7-47BE-AE5E-E10140E04643}" type="slidenum">
-              <a:rPr lang="en-US" smtClean="0"/>
-              <a:pPr/>
-              <a:t>3</a:t>
-            </a:fld>
-            <a:endParaRPr lang="en-US" dirty="0"/>
-          </a:p>
-        </p:txBody>
-      </p:sp>
-    </p:spTree>
-    <p:extLst>
-      <p:ext uri="{BB962C8B-B14F-4D97-AF65-F5344CB8AC3E}">
-        <p14:creationId xmlns:p14="http://schemas.microsoft.com/office/powerpoint/2010/main" val="3913219759"/>
-      </p:ext>
-    </p:extLst>
-  </p:cSld>
-  <p:clrMapOvr>
-    <a:masterClrMapping/>
-  </p:clrMapOvr>
-</p:sld>
-</file>
-
-<file path=ppt/slides/slide4.xml><?xml version="1.0" encoding="utf-8"?>
-<p:sld xmlns:a="http://schemas.openxmlformats.org/drawingml/2006/main" xmlns:r="http://schemas.openxmlformats.org/officeDocument/2006/relationships" xmlns:p="http://schemas.openxmlformats.org/presentationml/2006/main">
-  <p:cSld>
-    <p:spTree>
-      <p:nvGrpSpPr>
-        <p:cNvPr id="1" name=""/>
-        <p:cNvGrpSpPr/>
-        <p:nvPr/>
-      </p:nvGrpSpPr>
-      <p:grpSpPr>
-        <a:xfrm>
-          <a:off x="0" y="0"/>
-          <a:ext cx="0" cy="0"/>
-          <a:chOff x="0" y="0"/>
-          <a:chExt cx="0" cy="0"/>
-        </a:xfrm>
-      </p:grpSpPr>
-      <p:sp>
-        <p:nvSpPr>
-          <p:cNvPr id="2" name="Title 1">
-            <a:extLst>
-              <a:ext uri="{FF2B5EF4-FFF2-40B4-BE49-F238E27FC236}">
                 <a16:creationId xmlns:a16="http://schemas.microsoft.com/office/drawing/2014/main" id="{FD5E8954-9BCB-7FD9-A210-38DC54382D45}"/>
               </a:ext>
             </a:extLst>
@@ -18095,7 +17872,7 @@
             <a:fld id="{48F63A3B-78C7-47BE-AE5E-E10140E04643}" type="slidenum">
               <a:rPr lang="en-US" smtClean="0"/>
               <a:pPr/>
-              <a:t>4</a:t>
+              <a:t>3</a:t>
             </a:fld>
             <a:endParaRPr lang="en-US" dirty="0"/>
           </a:p>
@@ -18114,7 +17891,7 @@
 </p:sld>
 </file>
 
-<file path=ppt/slides/slide5.xml><?xml version="1.0" encoding="utf-8"?>
+<file path=ppt/slides/slide4.xml><?xml version="1.0" encoding="utf-8"?>
 <p:sld xmlns:a="http://schemas.openxmlformats.org/drawingml/2006/main" xmlns:r="http://schemas.openxmlformats.org/officeDocument/2006/relationships" xmlns:p="http://schemas.openxmlformats.org/presentationml/2006/main">
   <p:cSld>
     <p:spTree>
@@ -18243,7 +18020,7 @@
 </p:sld>
 </file>
 
-<file path=ppt/slides/slide6.xml><?xml version="1.0" encoding="utf-8"?>
+<file path=ppt/slides/slide5.xml><?xml version="1.0" encoding="utf-8"?>
 <p:sld xmlns:a="http://schemas.openxmlformats.org/drawingml/2006/main" xmlns:r="http://schemas.openxmlformats.org/officeDocument/2006/relationships" xmlns:p="http://schemas.openxmlformats.org/presentationml/2006/main">
   <p:cSld>
     <p:spTree>
@@ -18322,7 +18099,7 @@
             <a:fld id="{48F63A3B-78C7-47BE-AE5E-E10140E04643}" type="slidenum">
               <a:rPr lang="en-US" smtClean="0"/>
               <a:pPr/>
-              <a:t>6</a:t>
+              <a:t>5</a:t>
             </a:fld>
             <a:endParaRPr lang="en-US" dirty="0"/>
           </a:p>
@@ -18487,6 +18264,152 @@
               <a:t>Curating a diverse and high-quality selection of wines from renowned vineyards and regions worldwide.</a:t>
             </a:r>
           </a:p>
+        </p:txBody>
+      </p:sp>
+    </p:spTree>
+    <p:extLst>
+      <p:ext uri="{BB962C8B-B14F-4D97-AF65-F5344CB8AC3E}">
+        <p14:creationId xmlns:p14="http://schemas.microsoft.com/office/powerpoint/2010/main" val="2468595790"/>
+      </p:ext>
+    </p:extLst>
+  </p:cSld>
+  <p:clrMapOvr>
+    <a:masterClrMapping/>
+  </p:clrMapOvr>
+</p:sld>
+</file>
+
+<file path=ppt/slides/slide6.xml><?xml version="1.0" encoding="utf-8"?>
+<p:sld xmlns:a="http://schemas.openxmlformats.org/drawingml/2006/main" xmlns:r="http://schemas.openxmlformats.org/officeDocument/2006/relationships" xmlns:p="http://schemas.openxmlformats.org/presentationml/2006/main">
+  <p:cSld>
+    <p:spTree>
+      <p:nvGrpSpPr>
+        <p:cNvPr id="1" name=""/>
+        <p:cNvGrpSpPr/>
+        <p:nvPr/>
+      </p:nvGrpSpPr>
+      <p:grpSpPr>
+        <a:xfrm>
+          <a:off x="0" y="0"/>
+          <a:ext cx="0" cy="0"/>
+          <a:chOff x="0" y="0"/>
+          <a:chExt cx="0" cy="0"/>
+        </a:xfrm>
+      </p:grpSpPr>
+      <p:sp>
+        <p:nvSpPr>
+          <p:cNvPr id="3" name="Slide Number Placeholder 2">
+            <a:extLst>
+              <a:ext uri="{FF2B5EF4-FFF2-40B4-BE49-F238E27FC236}">
+                <a16:creationId xmlns:a16="http://schemas.microsoft.com/office/drawing/2014/main" id="{7267C004-8B72-C872-98FB-00A2A584D055}"/>
+              </a:ext>
+            </a:extLst>
+          </p:cNvPr>
+          <p:cNvSpPr>
+            <a:spLocks noGrp="1"/>
+          </p:cNvSpPr>
+          <p:nvPr>
+            <p:ph type="sldNum" sz="quarter" idx="10"/>
+          </p:nvPr>
+        </p:nvSpPr>
+        <p:spPr>
+          <a:xfrm>
+            <a:off x="10438475" y="457199"/>
+            <a:ext cx="987552" cy="471489"/>
+          </a:xfrm>
+        </p:spPr>
+        <p:txBody>
+          <a:bodyPr/>
+          <a:lstStyle/>
+          <a:p>
+            <a:fld id="{48F63A3B-78C7-47BE-AE5E-E10140E04643}" type="slidenum">
+              <a:rPr lang="en-US" smtClean="0"/>
+              <a:pPr/>
+              <a:t>6</a:t>
+            </a:fld>
+            <a:endParaRPr lang="en-US" dirty="0"/>
+          </a:p>
+        </p:txBody>
+      </p:sp>
+      <p:sp>
+        <p:nvSpPr>
+          <p:cNvPr id="16" name="Content Placeholder 4">
+            <a:extLst>
+              <a:ext uri="{FF2B5EF4-FFF2-40B4-BE49-F238E27FC236}">
+                <a16:creationId xmlns:a16="http://schemas.microsoft.com/office/drawing/2014/main" id="{AEF9954A-E263-8A7E-58B1-4D03F7D1BD9B}"/>
+              </a:ext>
+            </a:extLst>
+          </p:cNvPr>
+          <p:cNvSpPr>
+            <a:spLocks noGrp="1"/>
+          </p:cNvSpPr>
+          <p:nvPr>
+            <p:ph sz="half" idx="2"/>
+          </p:nvPr>
+        </p:nvSpPr>
+        <p:spPr>
+          <a:xfrm>
+            <a:off x="188260" y="170329"/>
+            <a:ext cx="8633012" cy="6481483"/>
+          </a:xfrm>
+        </p:spPr>
+        <p:txBody>
+          <a:bodyPr>
+            <a:normAutofit/>
+          </a:bodyPr>
+          <a:lstStyle/>
+          <a:p>
+            <a:pPr marL="285750" indent="-285750">
+              <a:buFont typeface="Wingdings" panose="05000000000000000000" pitchFamily="2" charset="2"/>
+              <a:buChar char="Ø"/>
+            </a:pPr>
+            <a:r>
+              <a:rPr lang="en-US" b="1" u="sng" dirty="0">
+                <a:solidFill>
+                  <a:schemeClr val="tx1"/>
+                </a:solidFill>
+                <a:latin typeface="Calibri" panose="020F0502020204030204" pitchFamily="34" charset="0"/>
+                <a:ea typeface="Calibri" panose="020F0502020204030204" pitchFamily="34" charset="0"/>
+                <a:cs typeface="Calibri" panose="020F0502020204030204" pitchFamily="34" charset="0"/>
+              </a:rPr>
+              <a:t>Key Deliverables:</a:t>
+            </a:r>
+          </a:p>
+          <a:p>
+            <a:r>
+              <a:rPr lang="en-US" dirty="0">
+                <a:solidFill>
+                  <a:schemeClr val="tx1"/>
+                </a:solidFill>
+                <a:latin typeface="Calibri" panose="020F0502020204030204" pitchFamily="34" charset="0"/>
+                <a:ea typeface="Calibri" panose="020F0502020204030204" pitchFamily="34" charset="0"/>
+                <a:cs typeface="Calibri" panose="020F0502020204030204" pitchFamily="34" charset="0"/>
+              </a:rPr>
+              <a:t>The main deliverables of the </a:t>
+            </a:r>
+            <a:r>
+              <a:rPr lang="en-US" dirty="0" err="1">
+                <a:solidFill>
+                  <a:schemeClr val="tx1"/>
+                </a:solidFill>
+                <a:latin typeface="Calibri" panose="020F0502020204030204" pitchFamily="34" charset="0"/>
+                <a:ea typeface="Calibri" panose="020F0502020204030204" pitchFamily="34" charset="0"/>
+                <a:cs typeface="Calibri" panose="020F0502020204030204" pitchFamily="34" charset="0"/>
+              </a:rPr>
+              <a:t>WineSipper</a:t>
+            </a:r>
+            <a:r>
+              <a:rPr lang="en-US" dirty="0">
+                <a:solidFill>
+                  <a:schemeClr val="tx1"/>
+                </a:solidFill>
+                <a:latin typeface="Calibri" panose="020F0502020204030204" pitchFamily="34" charset="0"/>
+                <a:ea typeface="Calibri" panose="020F0502020204030204" pitchFamily="34" charset="0"/>
+                <a:cs typeface="Calibri" panose="020F0502020204030204" pitchFamily="34" charset="0"/>
+              </a:rPr>
+              <a:t> project include:</a:t>
+            </a:r>
+          </a:p>
           <a:p>
             <a:pPr marL="285750" indent="-285750">
               <a:buFont typeface="Arial" panose="020B0604020202020204" pitchFamily="34" charset="0"/>
@@ -18501,15 +18424,159 @@
                 <a:ea typeface="Calibri" panose="020F0502020204030204" pitchFamily="34" charset="0"/>
                 <a:cs typeface="Calibri" panose="020F0502020204030204" pitchFamily="34" charset="0"/>
               </a:rPr>
-              <a:t>Providing educational resources and content to enhance users' understanding and appreciation of wines.</a:t>
+              <a:t>Development of a responsive and visually appealing website.</a:t>
             </a:r>
+          </a:p>
+          <a:p>
+            <a:pPr marL="285750" indent="-285750">
+              <a:buFont typeface="Arial" panose="020B0604020202020204" pitchFamily="34" charset="0"/>
+              <a:buChar char="•"/>
+            </a:pPr>
+            <a:r>
+              <a:rPr lang="en-US" dirty="0">
+                <a:solidFill>
+                  <a:schemeClr val="tx1"/>
+                </a:solidFill>
+                <a:latin typeface="Calibri" panose="020F0502020204030204" pitchFamily="34" charset="0"/>
+                <a:ea typeface="Calibri" panose="020F0502020204030204" pitchFamily="34" charset="0"/>
+                <a:cs typeface="Calibri" panose="020F0502020204030204" pitchFamily="34" charset="0"/>
+              </a:rPr>
+              <a:t>Creation of a curated wine catalog featuring a wide range of varietals, regions, and price points.</a:t>
+            </a:r>
+          </a:p>
+          <a:p>
+            <a:pPr marL="285750" indent="-285750">
+              <a:buFont typeface="Arial" panose="020B0604020202020204" pitchFamily="34" charset="0"/>
+              <a:buChar char="•"/>
+            </a:pPr>
+            <a:r>
+              <a:rPr lang="en-US" dirty="0">
+                <a:solidFill>
+                  <a:schemeClr val="tx1"/>
+                </a:solidFill>
+                <a:latin typeface="Calibri" panose="020F0502020204030204" pitchFamily="34" charset="0"/>
+                <a:ea typeface="Calibri" panose="020F0502020204030204" pitchFamily="34" charset="0"/>
+                <a:cs typeface="Calibri" panose="020F0502020204030204" pitchFamily="34" charset="0"/>
+              </a:rPr>
+              <a:t>Implementation of user authentication including user profiles. </a:t>
+            </a:r>
+          </a:p>
+          <a:p>
+            <a:pPr marL="285750" indent="-285750">
+              <a:buFont typeface="Arial" panose="020B0604020202020204" pitchFamily="34" charset="0"/>
+              <a:buChar char="•"/>
+            </a:pPr>
+            <a:r>
+              <a:rPr lang="en-US" dirty="0">
+                <a:solidFill>
+                  <a:schemeClr val="tx1"/>
+                </a:solidFill>
+                <a:latin typeface="Calibri" panose="020F0502020204030204" pitchFamily="34" charset="0"/>
+                <a:ea typeface="Calibri" panose="020F0502020204030204" pitchFamily="34" charset="0"/>
+                <a:cs typeface="Calibri" panose="020F0502020204030204" pitchFamily="34" charset="0"/>
+              </a:rPr>
+              <a:t>Implementation of a user-friendly interface that enables users to seamlessly add wines to the catalog.</a:t>
+            </a:r>
+            <a:endParaRPr lang="en-US" u="sng" dirty="0">
+              <a:solidFill>
+                <a:srgbClr val="ECECEC"/>
+              </a:solidFill>
+              <a:latin typeface="Calibri" panose="020F0502020204030204" pitchFamily="34" charset="0"/>
+              <a:ea typeface="Calibri" panose="020F0502020204030204" pitchFamily="34" charset="0"/>
+              <a:cs typeface="Calibri" panose="020F0502020204030204" pitchFamily="34" charset="0"/>
+            </a:endParaRPr>
+          </a:p>
+          <a:p>
+            <a:pPr marL="285750" indent="-285750">
+              <a:buFont typeface="Wingdings" panose="05000000000000000000" pitchFamily="2" charset="2"/>
+              <a:buChar char="Ø"/>
+            </a:pPr>
+            <a:r>
+              <a:rPr lang="en-US" b="1" u="sng" dirty="0">
+                <a:solidFill>
+                  <a:schemeClr val="tx1"/>
+                </a:solidFill>
+                <a:latin typeface="Calibri" panose="020F0502020204030204" pitchFamily="34" charset="0"/>
+                <a:ea typeface="Calibri" panose="020F0502020204030204" pitchFamily="34" charset="0"/>
+                <a:cs typeface="Calibri" panose="020F0502020204030204" pitchFamily="34" charset="0"/>
+              </a:rPr>
+              <a:t>Functionalities:</a:t>
+            </a:r>
+          </a:p>
+          <a:p>
+            <a:r>
+              <a:rPr lang="en-US" dirty="0" err="1">
+                <a:solidFill>
+                  <a:schemeClr val="tx1"/>
+                </a:solidFill>
+                <a:latin typeface="Calibri" panose="020F0502020204030204" pitchFamily="34" charset="0"/>
+                <a:ea typeface="Calibri" panose="020F0502020204030204" pitchFamily="34" charset="0"/>
+                <a:cs typeface="Calibri" panose="020F0502020204030204" pitchFamily="34" charset="0"/>
+              </a:rPr>
+              <a:t>WineSipper</a:t>
+            </a:r>
+            <a:r>
+              <a:rPr lang="en-US" dirty="0">
+                <a:solidFill>
+                  <a:schemeClr val="tx1"/>
+                </a:solidFill>
+                <a:latin typeface="Calibri" panose="020F0502020204030204" pitchFamily="34" charset="0"/>
+                <a:ea typeface="Calibri" panose="020F0502020204030204" pitchFamily="34" charset="0"/>
+                <a:cs typeface="Calibri" panose="020F0502020204030204" pitchFamily="34" charset="0"/>
+              </a:rPr>
+              <a:t> will offer the following functionalities to users:</a:t>
+            </a:r>
+          </a:p>
+          <a:p>
+            <a:pPr marL="285750" indent="-285750">
+              <a:buFont typeface="Arial" panose="020B0604020202020204" pitchFamily="34" charset="0"/>
+              <a:buChar char="•"/>
+            </a:pPr>
+            <a:r>
+              <a:rPr lang="en-US" dirty="0">
+                <a:solidFill>
+                  <a:schemeClr val="tx1"/>
+                </a:solidFill>
+                <a:latin typeface="Calibri" panose="020F0502020204030204" pitchFamily="34" charset="0"/>
+                <a:ea typeface="Calibri" panose="020F0502020204030204" pitchFamily="34" charset="0"/>
+                <a:cs typeface="Calibri" panose="020F0502020204030204" pitchFamily="34" charset="0"/>
+              </a:rPr>
+              <a:t>User registration and authentication for personalized experiences.</a:t>
+            </a:r>
+          </a:p>
+          <a:p>
+            <a:pPr marL="285750" indent="-285750">
+              <a:buFont typeface="Arial" panose="020B0604020202020204" pitchFamily="34" charset="0"/>
+              <a:buChar char="•"/>
+            </a:pPr>
+            <a:r>
+              <a:rPr lang="en-US" dirty="0">
+                <a:solidFill>
+                  <a:schemeClr val="tx1"/>
+                </a:solidFill>
+                <a:latin typeface="Calibri" panose="020F0502020204030204" pitchFamily="34" charset="0"/>
+                <a:ea typeface="Calibri" panose="020F0502020204030204" pitchFamily="34" charset="0"/>
+                <a:cs typeface="Calibri" panose="020F0502020204030204" pitchFamily="34" charset="0"/>
+              </a:rPr>
+              <a:t>Viewing detailed wine descriptions, including tasting notes, ratings, and reviews from other users.</a:t>
+            </a:r>
+          </a:p>
+          <a:p>
+            <a:endParaRPr lang="en-US" dirty="0">
+              <a:solidFill>
+                <a:schemeClr val="tx1"/>
+              </a:solidFill>
+              <a:latin typeface="Calibri" panose="020F0502020204030204" pitchFamily="34" charset="0"/>
+              <a:ea typeface="Calibri" panose="020F0502020204030204" pitchFamily="34" charset="0"/>
+              <a:cs typeface="Calibri" panose="020F0502020204030204" pitchFamily="34" charset="0"/>
+            </a:endParaRPr>
           </a:p>
         </p:txBody>
       </p:sp>
     </p:spTree>
     <p:extLst>
       <p:ext uri="{BB962C8B-B14F-4D97-AF65-F5344CB8AC3E}">
-        <p14:creationId xmlns:p14="http://schemas.microsoft.com/office/powerpoint/2010/main" val="2468595790"/>
+        <p14:creationId xmlns:p14="http://schemas.microsoft.com/office/powerpoint/2010/main" val="3325000935"/>
       </p:ext>
     </p:extLst>
   </p:cSld>
@@ -18612,320 +18679,6 @@
                 <a:ea typeface="Calibri" panose="020F0502020204030204" pitchFamily="34" charset="0"/>
                 <a:cs typeface="Calibri" panose="020F0502020204030204" pitchFamily="34" charset="0"/>
               </a:rPr>
-              <a:t>Key Deliverables:</a:t>
-            </a:r>
-          </a:p>
-          <a:p>
-            <a:r>
-              <a:rPr lang="en-US" dirty="0">
-                <a:solidFill>
-                  <a:schemeClr val="tx1"/>
-                </a:solidFill>
-                <a:latin typeface="Calibri" panose="020F0502020204030204" pitchFamily="34" charset="0"/>
-                <a:ea typeface="Calibri" panose="020F0502020204030204" pitchFamily="34" charset="0"/>
-                <a:cs typeface="Calibri" panose="020F0502020204030204" pitchFamily="34" charset="0"/>
-              </a:rPr>
-              <a:t>The main deliverables of the </a:t>
-            </a:r>
-            <a:r>
-              <a:rPr lang="en-US" dirty="0" err="1">
-                <a:solidFill>
-                  <a:schemeClr val="tx1"/>
-                </a:solidFill>
-                <a:latin typeface="Calibri" panose="020F0502020204030204" pitchFamily="34" charset="0"/>
-                <a:ea typeface="Calibri" panose="020F0502020204030204" pitchFamily="34" charset="0"/>
-                <a:cs typeface="Calibri" panose="020F0502020204030204" pitchFamily="34" charset="0"/>
-              </a:rPr>
-              <a:t>WineSipper</a:t>
-            </a:r>
-            <a:r>
-              <a:rPr lang="en-US" dirty="0">
-                <a:solidFill>
-                  <a:schemeClr val="tx1"/>
-                </a:solidFill>
-                <a:latin typeface="Calibri" panose="020F0502020204030204" pitchFamily="34" charset="0"/>
-                <a:ea typeface="Calibri" panose="020F0502020204030204" pitchFamily="34" charset="0"/>
-                <a:cs typeface="Calibri" panose="020F0502020204030204" pitchFamily="34" charset="0"/>
-              </a:rPr>
-              <a:t> project include:</a:t>
-            </a:r>
-          </a:p>
-          <a:p>
-            <a:pPr marL="285750" indent="-285750">
-              <a:buFont typeface="Arial" panose="020B0604020202020204" pitchFamily="34" charset="0"/>
-              <a:buChar char="•"/>
-            </a:pPr>
-            <a:r>
-              <a:rPr lang="en-US" dirty="0">
-                <a:solidFill>
-                  <a:schemeClr val="tx1"/>
-                </a:solidFill>
-                <a:latin typeface="Calibri" panose="020F0502020204030204" pitchFamily="34" charset="0"/>
-                <a:ea typeface="Calibri" panose="020F0502020204030204" pitchFamily="34" charset="0"/>
-                <a:cs typeface="Calibri" panose="020F0502020204030204" pitchFamily="34" charset="0"/>
-              </a:rPr>
-              <a:t>Development of a responsive and visually appealing website.</a:t>
-            </a:r>
-          </a:p>
-          <a:p>
-            <a:pPr marL="285750" indent="-285750">
-              <a:buFont typeface="Arial" panose="020B0604020202020204" pitchFamily="34" charset="0"/>
-              <a:buChar char="•"/>
-            </a:pPr>
-            <a:r>
-              <a:rPr lang="en-US" dirty="0">
-                <a:solidFill>
-                  <a:schemeClr val="tx1"/>
-                </a:solidFill>
-                <a:latin typeface="Calibri" panose="020F0502020204030204" pitchFamily="34" charset="0"/>
-                <a:ea typeface="Calibri" panose="020F0502020204030204" pitchFamily="34" charset="0"/>
-                <a:cs typeface="Calibri" panose="020F0502020204030204" pitchFamily="34" charset="0"/>
-              </a:rPr>
-              <a:t>Creation of a curated wine catalog featuring a wide range of varietals, regions, and price points.</a:t>
-            </a:r>
-          </a:p>
-          <a:p>
-            <a:pPr marL="285750" indent="-285750">
-              <a:buFont typeface="Arial" panose="020B0604020202020204" pitchFamily="34" charset="0"/>
-              <a:buChar char="•"/>
-            </a:pPr>
-            <a:r>
-              <a:rPr lang="en-US" dirty="0">
-                <a:solidFill>
-                  <a:schemeClr val="tx1"/>
-                </a:solidFill>
-                <a:latin typeface="Calibri" panose="020F0502020204030204" pitchFamily="34" charset="0"/>
-                <a:ea typeface="Calibri" panose="020F0502020204030204" pitchFamily="34" charset="0"/>
-                <a:cs typeface="Calibri" panose="020F0502020204030204" pitchFamily="34" charset="0"/>
-              </a:rPr>
-              <a:t>Implementation of user authentication including user profiles. </a:t>
-            </a:r>
-          </a:p>
-          <a:p>
-            <a:pPr marL="285750" indent="-285750">
-              <a:buFont typeface="Arial" panose="020B0604020202020204" pitchFamily="34" charset="0"/>
-              <a:buChar char="•"/>
-            </a:pPr>
-            <a:r>
-              <a:rPr lang="en-US" dirty="0">
-                <a:solidFill>
-                  <a:schemeClr val="tx1"/>
-                </a:solidFill>
-                <a:latin typeface="Calibri" panose="020F0502020204030204" pitchFamily="34" charset="0"/>
-                <a:ea typeface="Calibri" panose="020F0502020204030204" pitchFamily="34" charset="0"/>
-                <a:cs typeface="Calibri" panose="020F0502020204030204" pitchFamily="34" charset="0"/>
-              </a:rPr>
-              <a:t>Implementation of a user-friendly interface that enables users to seamlessly add wines to the catalog.</a:t>
-            </a:r>
-            <a:endParaRPr lang="en-US" u="sng" dirty="0">
-              <a:solidFill>
-                <a:srgbClr val="ECECEC"/>
-              </a:solidFill>
-              <a:latin typeface="Calibri" panose="020F0502020204030204" pitchFamily="34" charset="0"/>
-              <a:ea typeface="Calibri" panose="020F0502020204030204" pitchFamily="34" charset="0"/>
-              <a:cs typeface="Calibri" panose="020F0502020204030204" pitchFamily="34" charset="0"/>
-            </a:endParaRPr>
-          </a:p>
-          <a:p>
-            <a:pPr marL="285750" indent="-285750">
-              <a:buFont typeface="Wingdings" panose="05000000000000000000" pitchFamily="2" charset="2"/>
-              <a:buChar char="Ø"/>
-            </a:pPr>
-            <a:r>
-              <a:rPr lang="en-US" b="1" u="sng" dirty="0">
-                <a:solidFill>
-                  <a:schemeClr val="tx1"/>
-                </a:solidFill>
-                <a:latin typeface="Calibri" panose="020F0502020204030204" pitchFamily="34" charset="0"/>
-                <a:ea typeface="Calibri" panose="020F0502020204030204" pitchFamily="34" charset="0"/>
-                <a:cs typeface="Calibri" panose="020F0502020204030204" pitchFamily="34" charset="0"/>
-              </a:rPr>
-              <a:t>Functionalities:</a:t>
-            </a:r>
-          </a:p>
-          <a:p>
-            <a:r>
-              <a:rPr lang="en-US" dirty="0" err="1">
-                <a:solidFill>
-                  <a:schemeClr val="tx1"/>
-                </a:solidFill>
-                <a:latin typeface="Calibri" panose="020F0502020204030204" pitchFamily="34" charset="0"/>
-                <a:ea typeface="Calibri" panose="020F0502020204030204" pitchFamily="34" charset="0"/>
-                <a:cs typeface="Calibri" panose="020F0502020204030204" pitchFamily="34" charset="0"/>
-              </a:rPr>
-              <a:t>WineSipper</a:t>
-            </a:r>
-            <a:r>
-              <a:rPr lang="en-US" dirty="0">
-                <a:solidFill>
-                  <a:schemeClr val="tx1"/>
-                </a:solidFill>
-                <a:latin typeface="Calibri" panose="020F0502020204030204" pitchFamily="34" charset="0"/>
-                <a:ea typeface="Calibri" panose="020F0502020204030204" pitchFamily="34" charset="0"/>
-                <a:cs typeface="Calibri" panose="020F0502020204030204" pitchFamily="34" charset="0"/>
-              </a:rPr>
-              <a:t> will offer the following functionalities to users:</a:t>
-            </a:r>
-          </a:p>
-          <a:p>
-            <a:pPr marL="285750" indent="-285750">
-              <a:buFont typeface="Arial" panose="020B0604020202020204" pitchFamily="34" charset="0"/>
-              <a:buChar char="•"/>
-            </a:pPr>
-            <a:r>
-              <a:rPr lang="en-US" dirty="0">
-                <a:solidFill>
-                  <a:schemeClr val="tx1"/>
-                </a:solidFill>
-                <a:latin typeface="Calibri" panose="020F0502020204030204" pitchFamily="34" charset="0"/>
-                <a:ea typeface="Calibri" panose="020F0502020204030204" pitchFamily="34" charset="0"/>
-                <a:cs typeface="Calibri" panose="020F0502020204030204" pitchFamily="34" charset="0"/>
-              </a:rPr>
-              <a:t>User registration and authentication for personalized experiences.</a:t>
-            </a:r>
-          </a:p>
-          <a:p>
-            <a:pPr marL="285750" indent="-285750">
-              <a:buFont typeface="Arial" panose="020B0604020202020204" pitchFamily="34" charset="0"/>
-              <a:buChar char="•"/>
-            </a:pPr>
-            <a:r>
-              <a:rPr lang="en-US" dirty="0">
-                <a:solidFill>
-                  <a:schemeClr val="tx1"/>
-                </a:solidFill>
-                <a:latin typeface="Calibri" panose="020F0502020204030204" pitchFamily="34" charset="0"/>
-                <a:ea typeface="Calibri" panose="020F0502020204030204" pitchFamily="34" charset="0"/>
-                <a:cs typeface="Calibri" panose="020F0502020204030204" pitchFamily="34" charset="0"/>
-              </a:rPr>
-              <a:t>Viewing detailed wine descriptions, including tasting notes, ratings, and reviews from other users.</a:t>
-            </a:r>
-          </a:p>
-          <a:p>
-            <a:pPr marL="285750" indent="-285750">
-              <a:buFont typeface="Arial" panose="020B0604020202020204" pitchFamily="34" charset="0"/>
-              <a:buChar char="•"/>
-            </a:pPr>
-            <a:r>
-              <a:rPr lang="en-US" dirty="0">
-                <a:solidFill>
-                  <a:schemeClr val="tx1"/>
-                </a:solidFill>
-                <a:latin typeface="Calibri" panose="020F0502020204030204" pitchFamily="34" charset="0"/>
-                <a:ea typeface="Calibri" panose="020F0502020204030204" pitchFamily="34" charset="0"/>
-                <a:cs typeface="Calibri" panose="020F0502020204030204" pitchFamily="34" charset="0"/>
-              </a:rPr>
-              <a:t>Accessing educational resources, including articles, videos, and tutorials on wine-related topics.</a:t>
-            </a:r>
-          </a:p>
-        </p:txBody>
-      </p:sp>
-    </p:spTree>
-    <p:extLst>
-      <p:ext uri="{BB962C8B-B14F-4D97-AF65-F5344CB8AC3E}">
-        <p14:creationId xmlns:p14="http://schemas.microsoft.com/office/powerpoint/2010/main" val="3325000935"/>
-      </p:ext>
-    </p:extLst>
-  </p:cSld>
-  <p:clrMapOvr>
-    <a:masterClrMapping/>
-  </p:clrMapOvr>
-</p:sld>
-</file>
-
-<file path=ppt/slides/slide8.xml><?xml version="1.0" encoding="utf-8"?>
-<p:sld xmlns:a="http://schemas.openxmlformats.org/drawingml/2006/main" xmlns:r="http://schemas.openxmlformats.org/officeDocument/2006/relationships" xmlns:p="http://schemas.openxmlformats.org/presentationml/2006/main">
-  <p:cSld>
-    <p:spTree>
-      <p:nvGrpSpPr>
-        <p:cNvPr id="1" name=""/>
-        <p:cNvGrpSpPr/>
-        <p:nvPr/>
-      </p:nvGrpSpPr>
-      <p:grpSpPr>
-        <a:xfrm>
-          <a:off x="0" y="0"/>
-          <a:ext cx="0" cy="0"/>
-          <a:chOff x="0" y="0"/>
-          <a:chExt cx="0" cy="0"/>
-        </a:xfrm>
-      </p:grpSpPr>
-      <p:sp>
-        <p:nvSpPr>
-          <p:cNvPr id="3" name="Slide Number Placeholder 2">
-            <a:extLst>
-              <a:ext uri="{FF2B5EF4-FFF2-40B4-BE49-F238E27FC236}">
-                <a16:creationId xmlns:a16="http://schemas.microsoft.com/office/drawing/2014/main" id="{7267C004-8B72-C872-98FB-00A2A584D055}"/>
-              </a:ext>
-            </a:extLst>
-          </p:cNvPr>
-          <p:cNvSpPr>
-            <a:spLocks noGrp="1"/>
-          </p:cNvSpPr>
-          <p:nvPr>
-            <p:ph type="sldNum" sz="quarter" idx="10"/>
-          </p:nvPr>
-        </p:nvSpPr>
-        <p:spPr>
-          <a:xfrm>
-            <a:off x="10438475" y="457199"/>
-            <a:ext cx="987552" cy="471489"/>
-          </a:xfrm>
-        </p:spPr>
-        <p:txBody>
-          <a:bodyPr/>
-          <a:lstStyle/>
-          <a:p>
-            <a:fld id="{48F63A3B-78C7-47BE-AE5E-E10140E04643}" type="slidenum">
-              <a:rPr lang="en-US" smtClean="0"/>
-              <a:pPr/>
-              <a:t>8</a:t>
-            </a:fld>
-            <a:endParaRPr lang="en-US" dirty="0"/>
-          </a:p>
-        </p:txBody>
-      </p:sp>
-      <p:sp>
-        <p:nvSpPr>
-          <p:cNvPr id="16" name="Content Placeholder 4">
-            <a:extLst>
-              <a:ext uri="{FF2B5EF4-FFF2-40B4-BE49-F238E27FC236}">
-                <a16:creationId xmlns:a16="http://schemas.microsoft.com/office/drawing/2014/main" id="{AEF9954A-E263-8A7E-58B1-4D03F7D1BD9B}"/>
-              </a:ext>
-            </a:extLst>
-          </p:cNvPr>
-          <p:cNvSpPr>
-            <a:spLocks noGrp="1"/>
-          </p:cNvSpPr>
-          <p:nvPr>
-            <p:ph sz="half" idx="2"/>
-          </p:nvPr>
-        </p:nvSpPr>
-        <p:spPr>
-          <a:xfrm>
-            <a:off x="188260" y="170329"/>
-            <a:ext cx="8633012" cy="6481483"/>
-          </a:xfrm>
-        </p:spPr>
-        <p:txBody>
-          <a:bodyPr>
-            <a:normAutofit/>
-          </a:bodyPr>
-          <a:lstStyle/>
-          <a:p>
-            <a:pPr marL="285750" indent="-285750">
-              <a:buFont typeface="Wingdings" panose="05000000000000000000" pitchFamily="2" charset="2"/>
-              <a:buChar char="Ø"/>
-            </a:pPr>
-            <a:r>
-              <a:rPr lang="en-US" b="1" u="sng" dirty="0">
-                <a:solidFill>
-                  <a:schemeClr val="tx1"/>
-                </a:solidFill>
-                <a:latin typeface="Calibri" panose="020F0502020204030204" pitchFamily="34" charset="0"/>
-                <a:ea typeface="Calibri" panose="020F0502020204030204" pitchFamily="34" charset="0"/>
-                <a:cs typeface="Calibri" panose="020F0502020204030204" pitchFamily="34" charset="0"/>
-              </a:rPr>
               <a:t>Timeline:</a:t>
             </a:r>
           </a:p>
@@ -19073,7 +18826,7 @@
 </p:sld>
 </file>
 
-<file path=ppt/slides/slide9.xml><?xml version="1.0" encoding="utf-8"?>
+<file path=ppt/slides/slide8.xml><?xml version="1.0" encoding="utf-8"?>
 <p:sld xmlns:a="http://schemas.openxmlformats.org/drawingml/2006/main" xmlns:r="http://schemas.openxmlformats.org/officeDocument/2006/relationships" xmlns:p="http://schemas.openxmlformats.org/presentationml/2006/main">
   <p:cSld>
     <p:spTree>
@@ -19928,6 +19681,15 @@
 </file>
 
 <file path=customXml/item1.xml><?xml version="1.0" encoding="utf-8"?>
+<?mso-contentType ?>
+<FormTemplates xmlns="http://schemas.microsoft.com/sharepoint/v3/contenttype/forms">
+  <Display>DocumentLibraryForm</Display>
+  <Edit>DocumentLibraryForm</Edit>
+  <New>DocumentLibraryForm</New>
+</FormTemplates>
+</file>
+
+<file path=customXml/item2.xml><?xml version="1.0" encoding="utf-8"?>
 <p:properties xmlns:p="http://schemas.microsoft.com/office/2006/metadata/properties" xmlns:xsi="http://www.w3.org/2001/XMLSchema-instance" xmlns:pc="http://schemas.microsoft.com/office/infopath/2007/PartnerControls">
   <documentManagement>
     <_ip_UnifiedCompliancePolicyUIAction xmlns="http://schemas.microsoft.com/sharepoint/v3" xsi:nil="true"/>
@@ -19945,15 +19707,6 @@
     <MediaServiceKeyPoints xmlns="71af3243-3dd4-4a8d-8c0d-dd76da1f02a5" xsi:nil="true"/>
   </documentManagement>
 </p:properties>
-</file>
-
-<file path=customXml/item2.xml><?xml version="1.0" encoding="utf-8"?>
-<?mso-contentType ?>
-<FormTemplates xmlns="http://schemas.microsoft.com/sharepoint/v3/contenttype/forms">
-  <Display>DocumentLibraryForm</Display>
-  <Edit>DocumentLibraryForm</Edit>
-  <New>DocumentLibraryForm</New>
-</FormTemplates>
 </file>
 
 <file path=customXml/item3.xml><?xml version="1.0" encoding="utf-8"?>
@@ -20269,6 +20022,14 @@
 </file>
 
 <file path=customXml/itemProps1.xml><?xml version="1.0" encoding="utf-8"?>
+<ds:datastoreItem xmlns:ds="http://schemas.openxmlformats.org/officeDocument/2006/customXml" ds:itemID="{16DBB56F-4362-4386-A1A1-3DF898896616}">
+  <ds:schemaRefs>
+    <ds:schemaRef ds:uri="http://schemas.microsoft.com/sharepoint/v3/contenttype/forms"/>
+  </ds:schemaRefs>
+</ds:datastoreItem>
+</file>
+
+<file path=customXml/itemProps2.xml><?xml version="1.0" encoding="utf-8"?>
 <ds:datastoreItem xmlns:ds="http://schemas.openxmlformats.org/officeDocument/2006/customXml" ds:itemID="{BA719FA4-954C-4FA8-82CB-206659C3B826}">
   <ds:schemaRefs>
     <ds:schemaRef ds:uri="http://schemas.microsoft.com/office/2006/metadata/properties"/>
@@ -20276,14 +20037,6 @@
     <ds:schemaRef ds:uri="http://schemas.microsoft.com/sharepoint/v3"/>
     <ds:schemaRef ds:uri="71af3243-3dd4-4a8d-8c0d-dd76da1f02a5"/>
     <ds:schemaRef ds:uri="230e9df3-be65-4c73-a93b-d1236ebd677e"/>
-  </ds:schemaRefs>
-</ds:datastoreItem>
-</file>
-
-<file path=customXml/itemProps2.xml><?xml version="1.0" encoding="utf-8"?>
-<ds:datastoreItem xmlns:ds="http://schemas.openxmlformats.org/officeDocument/2006/customXml" ds:itemID="{16DBB56F-4362-4386-A1A1-3DF898896616}">
-  <ds:schemaRefs>
-    <ds:schemaRef ds:uri="http://schemas.microsoft.com/sharepoint/v3/contenttype/forms"/>
   </ds:schemaRefs>
 </ds:datastoreItem>
 </file>

--- a/Project/WINE CATALOGUE.pptx
+++ b/Project/WINE CATALOGUE.pptx
@@ -5,10 +5,10 @@
     <p:sldMasterId id="2147483650" r:id="rId4"/>
   </p:sldMasterIdLst>
   <p:notesMasterIdLst>
-    <p:notesMasterId r:id="rId13"/>
+    <p:notesMasterId r:id="rId14"/>
   </p:notesMasterIdLst>
   <p:handoutMasterIdLst>
-    <p:handoutMasterId r:id="rId14"/>
+    <p:handoutMasterId r:id="rId15"/>
   </p:handoutMasterIdLst>
   <p:sldIdLst>
     <p:sldId id="312" r:id="rId5"/>
@@ -18,7 +18,8 @@
     <p:sldId id="315" r:id="rId9"/>
     <p:sldId id="325" r:id="rId10"/>
     <p:sldId id="326" r:id="rId11"/>
-    <p:sldId id="297" r:id="rId12"/>
+    <p:sldId id="328" r:id="rId12"/>
+    <p:sldId id="297" r:id="rId13"/>
   </p:sldIdLst>
   <p:sldSz cx="12192000" cy="6858000"/>
   <p:notesSz cx="13716000" cy="24384000"/>
@@ -1177,6 +1178,89 @@
 </file>
 
 <file path=ppt/notesSlides/notesSlide8.xml><?xml version="1.0" encoding="utf-8"?>
+<p:notes xmlns:a="http://schemas.openxmlformats.org/drawingml/2006/main" xmlns:r="http://schemas.openxmlformats.org/officeDocument/2006/relationships" xmlns:p="http://schemas.openxmlformats.org/presentationml/2006/main">
+  <p:cSld>
+    <p:spTree>
+      <p:nvGrpSpPr>
+        <p:cNvPr id="1" name=""/>
+        <p:cNvGrpSpPr/>
+        <p:nvPr/>
+      </p:nvGrpSpPr>
+      <p:grpSpPr>
+        <a:xfrm>
+          <a:off x="0" y="0"/>
+          <a:ext cx="0" cy="0"/>
+          <a:chOff x="0" y="0"/>
+          <a:chExt cx="0" cy="0"/>
+        </a:xfrm>
+      </p:grpSpPr>
+      <p:sp>
+        <p:nvSpPr>
+          <p:cNvPr id="2" name="Slide Image Placeholder 1"/>
+          <p:cNvSpPr>
+            <a:spLocks noGrp="1" noRot="1" noChangeAspect="1"/>
+          </p:cNvSpPr>
+          <p:nvPr>
+            <p:ph type="sldImg"/>
+          </p:nvPr>
+        </p:nvSpPr>
+        <p:spPr>
+          <a:xfrm>
+            <a:off x="-457200" y="3048000"/>
+            <a:ext cx="14630400" cy="8229600"/>
+          </a:xfrm>
+          <a:prstGeom prst="rect">
+            <a:avLst/>
+          </a:prstGeom>
+          <a:noFill/>
+          <a:ln w="12700">
+            <a:solidFill>
+              <a:prstClr val="black"/>
+            </a:solidFill>
+          </a:ln>
+        </p:spPr>
+      </p:sp>
+      <p:sp>
+        <p:nvSpPr>
+          <p:cNvPr id="3" name="Notes Placeholder 2"/>
+          <p:cNvSpPr>
+            <a:spLocks noGrp="1"/>
+          </p:cNvSpPr>
+          <p:nvPr>
+            <p:ph type="body" idx="1"/>
+          </p:nvPr>
+        </p:nvSpPr>
+        <p:spPr>
+          <a:xfrm>
+            <a:off x="1371600" y="11734800"/>
+            <a:ext cx="10972800" cy="9601200"/>
+          </a:xfrm>
+          <a:prstGeom prst="rect">
+            <a:avLst/>
+          </a:prstGeom>
+        </p:spPr>
+        <p:txBody>
+          <a:bodyPr/>
+          <a:lstStyle/>
+          <a:p>
+            <a:endParaRPr lang="en-US" dirty="0"/>
+          </a:p>
+        </p:txBody>
+      </p:sp>
+    </p:spTree>
+    <p:extLst>
+      <p:ext uri="{BB962C8B-B14F-4D97-AF65-F5344CB8AC3E}">
+        <p14:creationId xmlns:p14="http://schemas.microsoft.com/office/powerpoint/2010/main" val="4052606474"/>
+      </p:ext>
+    </p:extLst>
+  </p:cSld>
+  <p:clrMapOvr>
+    <a:masterClrMapping/>
+  </p:clrMapOvr>
+</p:notes>
+</file>
+
+<file path=ppt/notesSlides/notesSlide9.xml><?xml version="1.0" encoding="utf-8"?>
 <p:notes xmlns:a="http://schemas.openxmlformats.org/drawingml/2006/main" xmlns:r="http://schemas.openxmlformats.org/officeDocument/2006/relationships" xmlns:p="http://schemas.openxmlformats.org/presentationml/2006/main">
   <p:cSld>
     <p:spTree>
@@ -18744,14 +18828,32 @@
                 <a:ea typeface="Calibri" panose="020F0502020204030204" pitchFamily="34" charset="0"/>
                 <a:cs typeface="Calibri" panose="020F0502020204030204" pitchFamily="34" charset="0"/>
               </a:rPr>
-              <a:t> project will require:</a:t>
+              <a:t> project will </a:t>
             </a:r>
-          </a:p>
-          <a:p>
-            <a:pPr marL="285750" indent="-285750">
-              <a:buFont typeface="Arial" panose="020B0604020202020204" pitchFamily="34" charset="0"/>
-              <a:buChar char="•"/>
-            </a:pPr>
+            <a:r>
+              <a:rPr lang="en-US">
+                <a:solidFill>
+                  <a:schemeClr val="tx1"/>
+                </a:solidFill>
+                <a:latin typeface="Calibri" panose="020F0502020204030204" pitchFamily="34" charset="0"/>
+                <a:ea typeface="Calibri" panose="020F0502020204030204" pitchFamily="34" charset="0"/>
+                <a:cs typeface="Calibri" panose="020F0502020204030204" pitchFamily="34" charset="0"/>
+              </a:rPr>
+              <a:t>require:</a:t>
+            </a:r>
+          </a:p>
+          <a:p>
+            <a:r>
+              <a:rPr lang="en-US">
+                <a:solidFill>
+                  <a:schemeClr val="tx1"/>
+                </a:solidFill>
+                <a:latin typeface="Calibri" panose="020F0502020204030204" pitchFamily="34" charset="0"/>
+                <a:ea typeface="Calibri" panose="020F0502020204030204" pitchFamily="34" charset="0"/>
+                <a:cs typeface="Calibri" panose="020F0502020204030204" pitchFamily="34" charset="0"/>
+              </a:rPr>
+              <a:t>•</a:t>
+            </a:r>
             <a:r>
               <a:rPr lang="en-US" dirty="0">
                 <a:solidFill>
@@ -18761,14 +18863,19 @@
                 <a:ea typeface="Calibri" panose="020F0502020204030204" pitchFamily="34" charset="0"/>
                 <a:cs typeface="Calibri" panose="020F0502020204030204" pitchFamily="34" charset="0"/>
               </a:rPr>
-              <a:t>Development using modern web development technologies, such as HTML, CSS, JavaScript, and frameworks like Jira.</a:t>
+              <a:t>Development using modern web development technologies, such as HTML, CSS</a:t>
             </a:r>
-          </a:p>
-          <a:p>
-            <a:pPr marL="285750" indent="-285750">
-              <a:buFont typeface="Arial" panose="020B0604020202020204" pitchFamily="34" charset="0"/>
-              <a:buChar char="•"/>
-            </a:pPr>
+            <a:r>
+              <a:rPr lang="en-US">
+                <a:solidFill>
+                  <a:schemeClr val="tx1"/>
+                </a:solidFill>
+                <a:latin typeface="Calibri" panose="020F0502020204030204" pitchFamily="34" charset="0"/>
+                <a:ea typeface="Calibri" panose="020F0502020204030204" pitchFamily="34" charset="0"/>
+                <a:cs typeface="Calibri" panose="020F0502020204030204" pitchFamily="34" charset="0"/>
+              </a:rPr>
+              <a:t>,     JavaScript</a:t>
+            </a:r>
             <a:r>
               <a:rPr lang="en-US" dirty="0">
                 <a:solidFill>
@@ -18778,24 +18885,7 @@
                 <a:ea typeface="Calibri" panose="020F0502020204030204" pitchFamily="34" charset="0"/>
                 <a:cs typeface="Calibri" panose="020F0502020204030204" pitchFamily="34" charset="0"/>
               </a:rPr>
-              <a:t>Integration with backend technologies for user authentication, and database management, such as Node.js, Express.js, and MySQL.</a:t>
-            </a:r>
-          </a:p>
-          <a:p>
-            <a:pPr marL="285750" indent="-285750">
-              <a:buFont typeface="Wingdings" panose="05000000000000000000" pitchFamily="2" charset="2"/>
-              <a:buChar char="Ø"/>
-            </a:pPr>
-            <a:r>
-              <a:rPr lang="en-US" b="1" u="sng" dirty="0">
-                <a:solidFill>
-                  <a:schemeClr val="tx1"/>
-                </a:solidFill>
-                <a:latin typeface="Calibri" panose="020F0502020204030204" pitchFamily="34" charset="0"/>
-                <a:ea typeface="Calibri" panose="020F0502020204030204" pitchFamily="34" charset="0"/>
-                <a:cs typeface="Calibri" panose="020F0502020204030204" pitchFamily="34" charset="0"/>
-              </a:rPr>
-              <a:t>Why did I select the project?</a:t>
+              <a:t>, and frameworks like Jira.</a:t>
             </a:r>
           </a:p>
           <a:p>
@@ -18808,8 +18898,131 @@
                 <a:ea typeface="Calibri" panose="020F0502020204030204" pitchFamily="34" charset="0"/>
                 <a:cs typeface="Calibri" panose="020F0502020204030204" pitchFamily="34" charset="0"/>
               </a:rPr>
-              <a:t>The choice to pursue this topic stems from my personal passion for wine and the growing demand for digital solutions in the wine industry. By combining my love for wine with my technical skills, I aim to create a valuable online platform that caters to wine enthusiasts while contributing to the digital transformation of the industry.</a:t>
+              <a:t>•Web Servers to host the web application, </a:t>
             </a:r>
+            <a:r>
+              <a:rPr lang="en-US" dirty="0" err="1">
+                <a:solidFill>
+                  <a:schemeClr val="tx1"/>
+                </a:solidFill>
+                <a:latin typeface="Calibri" panose="020F0502020204030204" pitchFamily="34" charset="0"/>
+                <a:ea typeface="Calibri" panose="020F0502020204030204" pitchFamily="34" charset="0"/>
+                <a:cs typeface="Calibri" panose="020F0502020204030204" pitchFamily="34" charset="0"/>
+              </a:rPr>
+              <a:t>Node.Js</a:t>
+            </a:r>
+            <a:r>
+              <a:rPr lang="en-US" dirty="0">
+                <a:solidFill>
+                  <a:schemeClr val="tx1"/>
+                </a:solidFill>
+                <a:latin typeface="Calibri" panose="020F0502020204030204" pitchFamily="34" charset="0"/>
+                <a:ea typeface="Calibri" panose="020F0502020204030204" pitchFamily="34" charset="0"/>
+                <a:cs typeface="Calibri" panose="020F0502020204030204" pitchFamily="34" charset="0"/>
+              </a:rPr>
+              <a:t> with Express.js is being used for this purpose.</a:t>
+            </a:r>
+          </a:p>
+          <a:p>
+            <a:r>
+              <a:rPr lang="en-US" dirty="0">
+                <a:solidFill>
+                  <a:schemeClr val="tx1"/>
+                </a:solidFill>
+                <a:latin typeface="Calibri" panose="020F0502020204030204" pitchFamily="34" charset="0"/>
+                <a:ea typeface="Calibri" panose="020F0502020204030204" pitchFamily="34" charset="0"/>
+                <a:cs typeface="Calibri" panose="020F0502020204030204" pitchFamily="34" charset="0"/>
+              </a:rPr>
+              <a:t>•Integration with backend technologies for user authentication, and database management, such as Node.js, Express.js, and MySQL.</a:t>
+            </a:r>
+          </a:p>
+          <a:p>
+            <a:r>
+              <a:rPr lang="en-US" dirty="0">
+                <a:solidFill>
+                  <a:schemeClr val="tx1"/>
+                </a:solidFill>
+                <a:latin typeface="Calibri" panose="020F0502020204030204" pitchFamily="34" charset="0"/>
+                <a:ea typeface="Calibri" panose="020F0502020204030204" pitchFamily="34" charset="0"/>
+                <a:cs typeface="Calibri" panose="020F0502020204030204" pitchFamily="34" charset="0"/>
+              </a:rPr>
+              <a:t>•For database management, I'm using MySQL via XAMPP.</a:t>
+            </a:r>
+          </a:p>
+          <a:p>
+            <a:r>
+              <a:rPr lang="en-US" dirty="0">
+                <a:solidFill>
+                  <a:schemeClr val="tx1"/>
+                </a:solidFill>
+                <a:latin typeface="Calibri" panose="020F0502020204030204" pitchFamily="34" charset="0"/>
+                <a:ea typeface="Calibri" panose="020F0502020204030204" pitchFamily="34" charset="0"/>
+                <a:cs typeface="Calibri" panose="020F0502020204030204" pitchFamily="34" charset="0"/>
+              </a:rPr>
+              <a:t>•Session management is handled by ‘express-session’ middleware.</a:t>
+            </a:r>
+          </a:p>
+          <a:p>
+            <a:r>
+              <a:rPr lang="en-US" dirty="0">
+                <a:solidFill>
+                  <a:schemeClr val="tx1"/>
+                </a:solidFill>
+                <a:latin typeface="Calibri" panose="020F0502020204030204" pitchFamily="34" charset="0"/>
+                <a:ea typeface="Calibri" panose="020F0502020204030204" pitchFamily="34" charset="0"/>
+                <a:cs typeface="Calibri" panose="020F0502020204030204" pitchFamily="34" charset="0"/>
+              </a:rPr>
+              <a:t>•I’m using ‘.</a:t>
+            </a:r>
+            <a:r>
+              <a:rPr lang="en-US" dirty="0" err="1">
+                <a:solidFill>
+                  <a:schemeClr val="tx1"/>
+                </a:solidFill>
+                <a:latin typeface="Calibri" panose="020F0502020204030204" pitchFamily="34" charset="0"/>
+                <a:ea typeface="Calibri" panose="020F0502020204030204" pitchFamily="34" charset="0"/>
+                <a:cs typeface="Calibri" panose="020F0502020204030204" pitchFamily="34" charset="0"/>
+              </a:rPr>
+              <a:t>ejs</a:t>
+            </a:r>
+            <a:r>
+              <a:rPr lang="en-US" dirty="0">
+                <a:solidFill>
+                  <a:schemeClr val="tx1"/>
+                </a:solidFill>
+                <a:latin typeface="Calibri" panose="020F0502020204030204" pitchFamily="34" charset="0"/>
+                <a:ea typeface="Calibri" panose="020F0502020204030204" pitchFamily="34" charset="0"/>
+                <a:cs typeface="Calibri" panose="020F0502020204030204" pitchFamily="34" charset="0"/>
+              </a:rPr>
+              <a:t>’ as my view engine to render the needed content.</a:t>
+            </a:r>
+          </a:p>
+          <a:p>
+            <a:r>
+              <a:rPr lang="en-US" dirty="0">
+                <a:solidFill>
+                  <a:schemeClr val="tx1"/>
+                </a:solidFill>
+                <a:latin typeface="Calibri" panose="020F0502020204030204" pitchFamily="34" charset="0"/>
+                <a:ea typeface="Calibri" panose="020F0502020204030204" pitchFamily="34" charset="0"/>
+                <a:cs typeface="Calibri" panose="020F0502020204030204" pitchFamily="34" charset="0"/>
+              </a:rPr>
+              <a:t>•For form handling, GET and POST methods are being implemented by me.</a:t>
+            </a:r>
+          </a:p>
+          <a:p>
+            <a:pPr marL="285750" indent="-285750">
+              <a:buFont typeface="Arial" panose="020B0604020202020204" pitchFamily="34" charset="0"/>
+              <a:buChar char="•"/>
+            </a:pPr>
+            <a:endParaRPr lang="en-US" dirty="0">
+              <a:solidFill>
+                <a:schemeClr val="tx1"/>
+              </a:solidFill>
+              <a:latin typeface="Calibri" panose="020F0502020204030204" pitchFamily="34" charset="0"/>
+              <a:ea typeface="Calibri" panose="020F0502020204030204" pitchFamily="34" charset="0"/>
+              <a:cs typeface="Calibri" panose="020F0502020204030204" pitchFamily="34" charset="0"/>
+            </a:endParaRPr>
           </a:p>
         </p:txBody>
       </p:sp>
@@ -18827,6 +19040,130 @@
 </file>
 
 <file path=ppt/slides/slide8.xml><?xml version="1.0" encoding="utf-8"?>
+<p:sld xmlns:a="http://schemas.openxmlformats.org/drawingml/2006/main" xmlns:r="http://schemas.openxmlformats.org/officeDocument/2006/relationships" xmlns:p="http://schemas.openxmlformats.org/presentationml/2006/main">
+  <p:cSld>
+    <p:spTree>
+      <p:nvGrpSpPr>
+        <p:cNvPr id="1" name=""/>
+        <p:cNvGrpSpPr/>
+        <p:nvPr/>
+      </p:nvGrpSpPr>
+      <p:grpSpPr>
+        <a:xfrm>
+          <a:off x="0" y="0"/>
+          <a:ext cx="0" cy="0"/>
+          <a:chOff x="0" y="0"/>
+          <a:chExt cx="0" cy="0"/>
+        </a:xfrm>
+      </p:grpSpPr>
+      <p:sp>
+        <p:nvSpPr>
+          <p:cNvPr id="3" name="Slide Number Placeholder 2">
+            <a:extLst>
+              <a:ext uri="{FF2B5EF4-FFF2-40B4-BE49-F238E27FC236}">
+                <a16:creationId xmlns:a16="http://schemas.microsoft.com/office/drawing/2014/main" id="{7267C004-8B72-C872-98FB-00A2A584D055}"/>
+              </a:ext>
+            </a:extLst>
+          </p:cNvPr>
+          <p:cNvSpPr>
+            <a:spLocks noGrp="1"/>
+          </p:cNvSpPr>
+          <p:nvPr>
+            <p:ph type="sldNum" sz="quarter" idx="10"/>
+          </p:nvPr>
+        </p:nvSpPr>
+        <p:spPr>
+          <a:xfrm>
+            <a:off x="10438475" y="457199"/>
+            <a:ext cx="987552" cy="471489"/>
+          </a:xfrm>
+        </p:spPr>
+        <p:txBody>
+          <a:bodyPr/>
+          <a:lstStyle/>
+          <a:p>
+            <a:fld id="{48F63A3B-78C7-47BE-AE5E-E10140E04643}" type="slidenum">
+              <a:rPr lang="en-US" smtClean="0"/>
+              <a:pPr/>
+              <a:t>8</a:t>
+            </a:fld>
+            <a:endParaRPr lang="en-US" dirty="0"/>
+          </a:p>
+        </p:txBody>
+      </p:sp>
+      <p:sp>
+        <p:nvSpPr>
+          <p:cNvPr id="16" name="Content Placeholder 4">
+            <a:extLst>
+              <a:ext uri="{FF2B5EF4-FFF2-40B4-BE49-F238E27FC236}">
+                <a16:creationId xmlns:a16="http://schemas.microsoft.com/office/drawing/2014/main" id="{AEF9954A-E263-8A7E-58B1-4D03F7D1BD9B}"/>
+              </a:ext>
+            </a:extLst>
+          </p:cNvPr>
+          <p:cNvSpPr>
+            <a:spLocks noGrp="1"/>
+          </p:cNvSpPr>
+          <p:nvPr>
+            <p:ph sz="half" idx="2"/>
+          </p:nvPr>
+        </p:nvSpPr>
+        <p:spPr>
+          <a:xfrm>
+            <a:off x="188260" y="170329"/>
+            <a:ext cx="8633012" cy="6481483"/>
+          </a:xfrm>
+        </p:spPr>
+        <p:txBody>
+          <a:bodyPr>
+            <a:normAutofit/>
+          </a:bodyPr>
+          <a:lstStyle/>
+          <a:p>
+            <a:pPr marL="285750" indent="-285750">
+              <a:buFont typeface="Wingdings" panose="05000000000000000000" pitchFamily="2" charset="2"/>
+              <a:buChar char="Ø"/>
+            </a:pPr>
+            <a:r>
+              <a:rPr lang="en-US" b="1" u="sng" dirty="0">
+                <a:solidFill>
+                  <a:schemeClr val="tx1"/>
+                </a:solidFill>
+                <a:latin typeface="Calibri" panose="020F0502020204030204" pitchFamily="34" charset="0"/>
+                <a:ea typeface="Calibri" panose="020F0502020204030204" pitchFamily="34" charset="0"/>
+                <a:cs typeface="Calibri" panose="020F0502020204030204" pitchFamily="34" charset="0"/>
+              </a:rPr>
+              <a:t>Why did I select the project?</a:t>
+            </a:r>
+          </a:p>
+          <a:p>
+            <a:r>
+              <a:rPr lang="en-US" dirty="0">
+                <a:solidFill>
+                  <a:schemeClr val="tx1"/>
+                </a:solidFill>
+                <a:latin typeface="Calibri" panose="020F0502020204030204" pitchFamily="34" charset="0"/>
+                <a:ea typeface="Calibri" panose="020F0502020204030204" pitchFamily="34" charset="0"/>
+                <a:cs typeface="Calibri" panose="020F0502020204030204" pitchFamily="34" charset="0"/>
+              </a:rPr>
+              <a:t>The choice to pursue this topic stems from my personal passion for wine and the growing demand for digital solutions in the wine industry. By combining my love for wine with my technical skills, I aim to create a valuable online platform that caters to wine enthusiasts while contributing to the digital transformation of the industry.</a:t>
+            </a:r>
+          </a:p>
+        </p:txBody>
+      </p:sp>
+    </p:spTree>
+    <p:extLst>
+      <p:ext uri="{BB962C8B-B14F-4D97-AF65-F5344CB8AC3E}">
+        <p14:creationId xmlns:p14="http://schemas.microsoft.com/office/powerpoint/2010/main" val="3207032210"/>
+      </p:ext>
+    </p:extLst>
+  </p:cSld>
+  <p:clrMapOvr>
+    <a:masterClrMapping/>
+  </p:clrMapOvr>
+</p:sld>
+</file>
+
+<file path=ppt/slides/slide9.xml><?xml version="1.0" encoding="utf-8"?>
 <p:sld xmlns:a="http://schemas.openxmlformats.org/drawingml/2006/main" xmlns:r="http://schemas.openxmlformats.org/officeDocument/2006/relationships" xmlns:p="http://schemas.openxmlformats.org/presentationml/2006/main">
   <p:cSld>
     <p:spTree>
@@ -19681,15 +20018,6 @@
 </file>
 
 <file path=customXml/item1.xml><?xml version="1.0" encoding="utf-8"?>
-<?mso-contentType ?>
-<FormTemplates xmlns="http://schemas.microsoft.com/sharepoint/v3/contenttype/forms">
-  <Display>DocumentLibraryForm</Display>
-  <Edit>DocumentLibraryForm</Edit>
-  <New>DocumentLibraryForm</New>
-</FormTemplates>
-</file>
-
-<file path=customXml/item2.xml><?xml version="1.0" encoding="utf-8"?>
 <p:properties xmlns:p="http://schemas.microsoft.com/office/2006/metadata/properties" xmlns:xsi="http://www.w3.org/2001/XMLSchema-instance" xmlns:pc="http://schemas.microsoft.com/office/infopath/2007/PartnerControls">
   <documentManagement>
     <_ip_UnifiedCompliancePolicyUIAction xmlns="http://schemas.microsoft.com/sharepoint/v3" xsi:nil="true"/>
@@ -19707,6 +20035,15 @@
     <MediaServiceKeyPoints xmlns="71af3243-3dd4-4a8d-8c0d-dd76da1f02a5" xsi:nil="true"/>
   </documentManagement>
 </p:properties>
+</file>
+
+<file path=customXml/item2.xml><?xml version="1.0" encoding="utf-8"?>
+<?mso-contentType ?>
+<FormTemplates xmlns="http://schemas.microsoft.com/sharepoint/v3/contenttype/forms">
+  <Display>DocumentLibraryForm</Display>
+  <Edit>DocumentLibraryForm</Edit>
+  <New>DocumentLibraryForm</New>
+</FormTemplates>
 </file>
 
 <file path=customXml/item3.xml><?xml version="1.0" encoding="utf-8"?>
@@ -20022,14 +20359,6 @@
 </file>
 
 <file path=customXml/itemProps1.xml><?xml version="1.0" encoding="utf-8"?>
-<ds:datastoreItem xmlns:ds="http://schemas.openxmlformats.org/officeDocument/2006/customXml" ds:itemID="{16DBB56F-4362-4386-A1A1-3DF898896616}">
-  <ds:schemaRefs>
-    <ds:schemaRef ds:uri="http://schemas.microsoft.com/sharepoint/v3/contenttype/forms"/>
-  </ds:schemaRefs>
-</ds:datastoreItem>
-</file>
-
-<file path=customXml/itemProps2.xml><?xml version="1.0" encoding="utf-8"?>
 <ds:datastoreItem xmlns:ds="http://schemas.openxmlformats.org/officeDocument/2006/customXml" ds:itemID="{BA719FA4-954C-4FA8-82CB-206659C3B826}">
   <ds:schemaRefs>
     <ds:schemaRef ds:uri="http://schemas.microsoft.com/office/2006/metadata/properties"/>
@@ -20037,6 +20366,14 @@
     <ds:schemaRef ds:uri="http://schemas.microsoft.com/sharepoint/v3"/>
     <ds:schemaRef ds:uri="71af3243-3dd4-4a8d-8c0d-dd76da1f02a5"/>
     <ds:schemaRef ds:uri="230e9df3-be65-4c73-a93b-d1236ebd677e"/>
+  </ds:schemaRefs>
+</ds:datastoreItem>
+</file>
+
+<file path=customXml/itemProps2.xml><?xml version="1.0" encoding="utf-8"?>
+<ds:datastoreItem xmlns:ds="http://schemas.openxmlformats.org/officeDocument/2006/customXml" ds:itemID="{16DBB56F-4362-4386-A1A1-3DF898896616}">
+  <ds:schemaRefs>
+    <ds:schemaRef ds:uri="http://schemas.microsoft.com/sharepoint/v3/contenttype/forms"/>
   </ds:schemaRefs>
 </ds:datastoreItem>
 </file>

--- a/Project/WINE CATALOGUE.pptx
+++ b/Project/WINE CATALOGUE.pptx
@@ -18646,6 +18646,23 @@
             </a:r>
           </a:p>
           <a:p>
+            <a:pPr marL="285750" indent="-285750">
+              <a:buFont typeface="Arial" panose="020B0604020202020204" pitchFamily="34" charset="0"/>
+              <a:buChar char="•"/>
+            </a:pPr>
+            <a:r>
+              <a:rPr lang="en-US" dirty="0">
+                <a:solidFill>
+                  <a:schemeClr val="tx1"/>
+                </a:solidFill>
+                <a:latin typeface="Calibri" panose="020F0502020204030204" pitchFamily="34" charset="0"/>
+                <a:ea typeface="Calibri" panose="020F0502020204030204" pitchFamily="34" charset="0"/>
+                <a:cs typeface="Calibri" panose="020F0502020204030204" pitchFamily="34" charset="0"/>
+              </a:rPr>
+              <a:t>Ability to review us for us to improve from their feedback/s.</a:t>
+            </a:r>
+          </a:p>
+          <a:p>
             <a:endParaRPr lang="en-US" dirty="0">
               <a:solidFill>
                 <a:schemeClr val="tx1"/>
@@ -18828,32 +18845,14 @@
                 <a:ea typeface="Calibri" panose="020F0502020204030204" pitchFamily="34" charset="0"/>
                 <a:cs typeface="Calibri" panose="020F0502020204030204" pitchFamily="34" charset="0"/>
               </a:rPr>
-              <a:t> project will </a:t>
+              <a:t> project will require:</a:t>
             </a:r>
-            <a:r>
-              <a:rPr lang="en-US">
-                <a:solidFill>
-                  <a:schemeClr val="tx1"/>
-                </a:solidFill>
-                <a:latin typeface="Calibri" panose="020F0502020204030204" pitchFamily="34" charset="0"/>
-                <a:ea typeface="Calibri" panose="020F0502020204030204" pitchFamily="34" charset="0"/>
-                <a:cs typeface="Calibri" panose="020F0502020204030204" pitchFamily="34" charset="0"/>
-              </a:rPr>
-              <a:t>require:</a:t>
-            </a:r>
-          </a:p>
-          <a:p>
-            <a:r>
-              <a:rPr lang="en-US">
-                <a:solidFill>
-                  <a:schemeClr val="tx1"/>
-                </a:solidFill>
-                <a:latin typeface="Calibri" panose="020F0502020204030204" pitchFamily="34" charset="0"/>
-                <a:ea typeface="Calibri" panose="020F0502020204030204" pitchFamily="34" charset="0"/>
-                <a:cs typeface="Calibri" panose="020F0502020204030204" pitchFamily="34" charset="0"/>
-              </a:rPr>
-              <a:t>•</a:t>
-            </a:r>
+          </a:p>
+          <a:p>
+            <a:pPr marL="285750" indent="-285750">
+              <a:buFont typeface="Arial" panose="020B0604020202020204" pitchFamily="34" charset="0"/>
+              <a:buChar char="•"/>
+            </a:pPr>
             <a:r>
               <a:rPr lang="en-US" dirty="0">
                 <a:solidFill>
@@ -18863,19 +18862,14 @@
                 <a:ea typeface="Calibri" panose="020F0502020204030204" pitchFamily="34" charset="0"/>
                 <a:cs typeface="Calibri" panose="020F0502020204030204" pitchFamily="34" charset="0"/>
               </a:rPr>
-              <a:t>Development using modern web development technologies, such as HTML, CSS</a:t>
+              <a:t>Development using modern web development technologies, such as HTML, CSS,     JavaScript, and frameworks like Jira.</a:t>
             </a:r>
-            <a:r>
-              <a:rPr lang="en-US">
-                <a:solidFill>
-                  <a:schemeClr val="tx1"/>
-                </a:solidFill>
-                <a:latin typeface="Calibri" panose="020F0502020204030204" pitchFamily="34" charset="0"/>
-                <a:ea typeface="Calibri" panose="020F0502020204030204" pitchFamily="34" charset="0"/>
-                <a:cs typeface="Calibri" panose="020F0502020204030204" pitchFamily="34" charset="0"/>
-              </a:rPr>
-              <a:t>,     JavaScript</a:t>
-            </a:r>
+          </a:p>
+          <a:p>
+            <a:pPr marL="285750" indent="-285750">
+              <a:buFont typeface="Arial" panose="020B0604020202020204" pitchFamily="34" charset="0"/>
+              <a:buChar char="•"/>
+            </a:pPr>
             <a:r>
               <a:rPr lang="en-US" dirty="0">
                 <a:solidFill>
@@ -18885,20 +18879,7 @@
                 <a:ea typeface="Calibri" panose="020F0502020204030204" pitchFamily="34" charset="0"/>
                 <a:cs typeface="Calibri" panose="020F0502020204030204" pitchFamily="34" charset="0"/>
               </a:rPr>
-              <a:t>, and frameworks like Jira.</a:t>
-            </a:r>
-          </a:p>
-          <a:p>
-            <a:r>
-              <a:rPr lang="en-US" dirty="0">
-                <a:solidFill>
-                  <a:schemeClr val="tx1"/>
-                </a:solidFill>
-                <a:latin typeface="Calibri" panose="020F0502020204030204" pitchFamily="34" charset="0"/>
-                <a:ea typeface="Calibri" panose="020F0502020204030204" pitchFamily="34" charset="0"/>
-                <a:cs typeface="Calibri" panose="020F0502020204030204" pitchFamily="34" charset="0"/>
-              </a:rPr>
-              <a:t>•Web Servers to host the web application, </a:t>
+              <a:t>Web Servers to host the web application, </a:t>
             </a:r>
             <a:r>
               <a:rPr lang="en-US" dirty="0" err="1">
@@ -18924,6 +18905,10 @@
             </a:r>
           </a:p>
           <a:p>
+            <a:pPr marL="285750" indent="-285750">
+              <a:buFont typeface="Arial" panose="020B0604020202020204" pitchFamily="34" charset="0"/>
+              <a:buChar char="•"/>
+            </a:pPr>
             <a:r>
               <a:rPr lang="en-US" dirty="0">
                 <a:solidFill>
@@ -18933,10 +18918,14 @@
                 <a:ea typeface="Calibri" panose="020F0502020204030204" pitchFamily="34" charset="0"/>
                 <a:cs typeface="Calibri" panose="020F0502020204030204" pitchFamily="34" charset="0"/>
               </a:rPr>
-              <a:t>•Integration with backend technologies for user authentication, and database management, such as Node.js, Express.js, and MySQL.</a:t>
+              <a:t>Integration with backend technologies for user authentication, and database management, such as Node.js, Express.js, and MySQL.</a:t>
             </a:r>
           </a:p>
           <a:p>
+            <a:pPr marL="285750" indent="-285750">
+              <a:buFont typeface="Arial" panose="020B0604020202020204" pitchFamily="34" charset="0"/>
+              <a:buChar char="•"/>
+            </a:pPr>
             <a:r>
               <a:rPr lang="en-US" dirty="0">
                 <a:solidFill>
@@ -18946,10 +18935,14 @@
                 <a:ea typeface="Calibri" panose="020F0502020204030204" pitchFamily="34" charset="0"/>
                 <a:cs typeface="Calibri" panose="020F0502020204030204" pitchFamily="34" charset="0"/>
               </a:rPr>
-              <a:t>•For database management, I'm using MySQL via XAMPP.</a:t>
+              <a:t>For database management, I'm using MySQL via XAMPP.</a:t>
             </a:r>
           </a:p>
           <a:p>
+            <a:pPr marL="285750" indent="-285750">
+              <a:buFont typeface="Arial" panose="020B0604020202020204" pitchFamily="34" charset="0"/>
+              <a:buChar char="•"/>
+            </a:pPr>
             <a:r>
               <a:rPr lang="en-US" dirty="0">
                 <a:solidFill>
@@ -18959,10 +18952,14 @@
                 <a:ea typeface="Calibri" panose="020F0502020204030204" pitchFamily="34" charset="0"/>
                 <a:cs typeface="Calibri" panose="020F0502020204030204" pitchFamily="34" charset="0"/>
               </a:rPr>
-              <a:t>•Session management is handled by ‘express-session’ middleware.</a:t>
+              <a:t>Session management is handled by ‘express-session’ middleware.</a:t>
             </a:r>
           </a:p>
           <a:p>
+            <a:pPr marL="285750" indent="-285750">
+              <a:buFont typeface="Arial" panose="020B0604020202020204" pitchFamily="34" charset="0"/>
+              <a:buChar char="•"/>
+            </a:pPr>
             <a:r>
               <a:rPr lang="en-US" dirty="0">
                 <a:solidFill>
@@ -18972,7 +18969,7 @@
                 <a:ea typeface="Calibri" panose="020F0502020204030204" pitchFamily="34" charset="0"/>
                 <a:cs typeface="Calibri" panose="020F0502020204030204" pitchFamily="34" charset="0"/>
               </a:rPr>
-              <a:t>•I’m using ‘.</a:t>
+              <a:t>I’m using ‘.</a:t>
             </a:r>
             <a:r>
               <a:rPr lang="en-US" dirty="0" err="1">
@@ -18998,6 +18995,10 @@
             </a:r>
           </a:p>
           <a:p>
+            <a:pPr marL="285750" indent="-285750">
+              <a:buFont typeface="Arial" panose="020B0604020202020204" pitchFamily="34" charset="0"/>
+              <a:buChar char="•"/>
+            </a:pPr>
             <a:r>
               <a:rPr lang="en-US" dirty="0">
                 <a:solidFill>
@@ -19007,7 +19008,7 @@
                 <a:ea typeface="Calibri" panose="020F0502020204030204" pitchFamily="34" charset="0"/>
                 <a:cs typeface="Calibri" panose="020F0502020204030204" pitchFamily="34" charset="0"/>
               </a:rPr>
-              <a:t>•For form handling, GET and POST methods are being implemented by me.</a:t>
+              <a:t>For form handling, GET and POST methods are being implemented by me.</a:t>
             </a:r>
           </a:p>
           <a:p>
@@ -20018,6 +20019,15 @@
 </file>
 
 <file path=customXml/item1.xml><?xml version="1.0" encoding="utf-8"?>
+<?mso-contentType ?>
+<FormTemplates xmlns="http://schemas.microsoft.com/sharepoint/v3/contenttype/forms">
+  <Display>DocumentLibraryForm</Display>
+  <Edit>DocumentLibraryForm</Edit>
+  <New>DocumentLibraryForm</New>
+</FormTemplates>
+</file>
+
+<file path=customXml/item2.xml><?xml version="1.0" encoding="utf-8"?>
 <p:properties xmlns:p="http://schemas.microsoft.com/office/2006/metadata/properties" xmlns:xsi="http://www.w3.org/2001/XMLSchema-instance" xmlns:pc="http://schemas.microsoft.com/office/infopath/2007/PartnerControls">
   <documentManagement>
     <_ip_UnifiedCompliancePolicyUIAction xmlns="http://schemas.microsoft.com/sharepoint/v3" xsi:nil="true"/>
@@ -20035,15 +20045,6 @@
     <MediaServiceKeyPoints xmlns="71af3243-3dd4-4a8d-8c0d-dd76da1f02a5" xsi:nil="true"/>
   </documentManagement>
 </p:properties>
-</file>
-
-<file path=customXml/item2.xml><?xml version="1.0" encoding="utf-8"?>
-<?mso-contentType ?>
-<FormTemplates xmlns="http://schemas.microsoft.com/sharepoint/v3/contenttype/forms">
-  <Display>DocumentLibraryForm</Display>
-  <Edit>DocumentLibraryForm</Edit>
-  <New>DocumentLibraryForm</New>
-</FormTemplates>
 </file>
 
 <file path=customXml/item3.xml><?xml version="1.0" encoding="utf-8"?>
@@ -20359,6 +20360,14 @@
 </file>
 
 <file path=customXml/itemProps1.xml><?xml version="1.0" encoding="utf-8"?>
+<ds:datastoreItem xmlns:ds="http://schemas.openxmlformats.org/officeDocument/2006/customXml" ds:itemID="{16DBB56F-4362-4386-A1A1-3DF898896616}">
+  <ds:schemaRefs>
+    <ds:schemaRef ds:uri="http://schemas.microsoft.com/sharepoint/v3/contenttype/forms"/>
+  </ds:schemaRefs>
+</ds:datastoreItem>
+</file>
+
+<file path=customXml/itemProps2.xml><?xml version="1.0" encoding="utf-8"?>
 <ds:datastoreItem xmlns:ds="http://schemas.openxmlformats.org/officeDocument/2006/customXml" ds:itemID="{BA719FA4-954C-4FA8-82CB-206659C3B826}">
   <ds:schemaRefs>
     <ds:schemaRef ds:uri="http://schemas.microsoft.com/office/2006/metadata/properties"/>
@@ -20366,14 +20375,6 @@
     <ds:schemaRef ds:uri="http://schemas.microsoft.com/sharepoint/v3"/>
     <ds:schemaRef ds:uri="71af3243-3dd4-4a8d-8c0d-dd76da1f02a5"/>
     <ds:schemaRef ds:uri="230e9df3-be65-4c73-a93b-d1236ebd677e"/>
-  </ds:schemaRefs>
-</ds:datastoreItem>
-</file>
-
-<file path=customXml/itemProps2.xml><?xml version="1.0" encoding="utf-8"?>
-<ds:datastoreItem xmlns:ds="http://schemas.openxmlformats.org/officeDocument/2006/customXml" ds:itemID="{16DBB56F-4362-4386-A1A1-3DF898896616}">
-  <ds:schemaRefs>
-    <ds:schemaRef ds:uri="http://schemas.microsoft.com/sharepoint/v3/contenttype/forms"/>
   </ds:schemaRefs>
 </ds:datastoreItem>
 </file>

--- a/Project/WINE CATALOGUE.pptx
+++ b/Project/WINE CATALOGUE.pptx
@@ -661,7 +661,7 @@
           <a:p>
             <a:r>
               <a:rPr lang="en-US" dirty="0"/>
-              <a:t>hello</a:t>
+              <a:t> </a:t>
             </a:r>
           </a:p>
         </p:txBody>
@@ -20019,15 +20019,6 @@
 </file>
 
 <file path=customXml/item1.xml><?xml version="1.0" encoding="utf-8"?>
-<?mso-contentType ?>
-<FormTemplates xmlns="http://schemas.microsoft.com/sharepoint/v3/contenttype/forms">
-  <Display>DocumentLibraryForm</Display>
-  <Edit>DocumentLibraryForm</Edit>
-  <New>DocumentLibraryForm</New>
-</FormTemplates>
-</file>
-
-<file path=customXml/item2.xml><?xml version="1.0" encoding="utf-8"?>
 <p:properties xmlns:p="http://schemas.microsoft.com/office/2006/metadata/properties" xmlns:xsi="http://www.w3.org/2001/XMLSchema-instance" xmlns:pc="http://schemas.microsoft.com/office/infopath/2007/PartnerControls">
   <documentManagement>
     <_ip_UnifiedCompliancePolicyUIAction xmlns="http://schemas.microsoft.com/sharepoint/v3" xsi:nil="true"/>
@@ -20045,6 +20036,15 @@
     <MediaServiceKeyPoints xmlns="71af3243-3dd4-4a8d-8c0d-dd76da1f02a5" xsi:nil="true"/>
   </documentManagement>
 </p:properties>
+</file>
+
+<file path=customXml/item2.xml><?xml version="1.0" encoding="utf-8"?>
+<?mso-contentType ?>
+<FormTemplates xmlns="http://schemas.microsoft.com/sharepoint/v3/contenttype/forms">
+  <Display>DocumentLibraryForm</Display>
+  <Edit>DocumentLibraryForm</Edit>
+  <New>DocumentLibraryForm</New>
+</FormTemplates>
 </file>
 
 <file path=customXml/item3.xml><?xml version="1.0" encoding="utf-8"?>
@@ -20360,14 +20360,6 @@
 </file>
 
 <file path=customXml/itemProps1.xml><?xml version="1.0" encoding="utf-8"?>
-<ds:datastoreItem xmlns:ds="http://schemas.openxmlformats.org/officeDocument/2006/customXml" ds:itemID="{16DBB56F-4362-4386-A1A1-3DF898896616}">
-  <ds:schemaRefs>
-    <ds:schemaRef ds:uri="http://schemas.microsoft.com/sharepoint/v3/contenttype/forms"/>
-  </ds:schemaRefs>
-</ds:datastoreItem>
-</file>
-
-<file path=customXml/itemProps2.xml><?xml version="1.0" encoding="utf-8"?>
 <ds:datastoreItem xmlns:ds="http://schemas.openxmlformats.org/officeDocument/2006/customXml" ds:itemID="{BA719FA4-954C-4FA8-82CB-206659C3B826}">
   <ds:schemaRefs>
     <ds:schemaRef ds:uri="http://schemas.microsoft.com/office/2006/metadata/properties"/>
@@ -20375,6 +20367,14 @@
     <ds:schemaRef ds:uri="http://schemas.microsoft.com/sharepoint/v3"/>
     <ds:schemaRef ds:uri="71af3243-3dd4-4a8d-8c0d-dd76da1f02a5"/>
     <ds:schemaRef ds:uri="230e9df3-be65-4c73-a93b-d1236ebd677e"/>
+  </ds:schemaRefs>
+</ds:datastoreItem>
+</file>
+
+<file path=customXml/itemProps2.xml><?xml version="1.0" encoding="utf-8"?>
+<ds:datastoreItem xmlns:ds="http://schemas.openxmlformats.org/officeDocument/2006/customXml" ds:itemID="{16DBB56F-4362-4386-A1A1-3DF898896616}">
+  <ds:schemaRefs>
+    <ds:schemaRef ds:uri="http://schemas.microsoft.com/sharepoint/v3/contenttype/forms"/>
   </ds:schemaRefs>
 </ds:datastoreItem>
 </file>
